--- a/TP9 - TP INTEGRADOR/presentación-final.TPH.pptx
+++ b/TP9 - TP INTEGRADOR/presentación-final.TPH.pptx
@@ -267,7 +267,7 @@
       </p15:sldGuideLst>
     </p:ext>
     <p:ext uri="GoogleSlidesCustomDataVersion2">
-      <go:slidesCustomData xmlns:go="http://customooxmlschemas.google.com/" r:id="rId12" roundtripDataSignature="AMtx7miKI4RevDcVPzgsdvoDJ4i6BgQ6oA=="/>
+      <go:slidesCustomData xmlns:go="http://customooxmlschemas.google.com/" r:id="rId12" roundtripDataSignature="AMtx7mjiKbxXu55+c2Oq2nXOGzr/4Z6KCg=="/>
     </p:ext>
   </p:extLst>
 </p:presentation>
@@ -10818,7 +10818,7 @@
         <p:spPr>
           <a:xfrm>
             <a:off x="2408877" y="1465088"/>
-            <a:ext cx="11839200" cy="2886000"/>
+            <a:ext cx="11839200" cy="2882400"/>
           </a:xfrm>
           <a:prstGeom prst="rect">
             <a:avLst/>
@@ -10876,7 +10876,7 @@
                 <a:cs typeface="Arial"/>
                 <a:sym typeface="Arial"/>
               </a:rPr>
-              <a:t>en e- commerce</a:t>
+              <a:t>en e-commerce</a:t>
             </a:r>
             <a:endParaRPr/>
           </a:p>
@@ -10891,7 +10891,7 @@
         <p:spPr>
           <a:xfrm>
             <a:off x="235602" y="318901"/>
-            <a:ext cx="3626400" cy="614400"/>
+            <a:ext cx="3626400" cy="645300"/>
           </a:xfrm>
           <a:prstGeom prst="rect">
             <a:avLst/>
@@ -10947,7 +10947,7 @@
               <a:buNone/>
             </a:pPr>
             <a:r>
-              <a:rPr b="0" i="0" lang="en-US" u="none" cap="none" strike="noStrike">
+              <a:rPr b="0" i="0" lang="en-US" sz="1600" u="none" cap="none" strike="noStrike">
                 <a:solidFill>
                   <a:srgbClr val="3D2917"/>
                 </a:solidFill>
@@ -10958,7 +10958,7 @@
               </a:rPr>
               <a:t>Técnicas del procesamiento del habla </a:t>
             </a:r>
-            <a:endParaRPr/>
+            <a:endParaRPr sz="1600"/>
           </a:p>
         </p:txBody>
       </p:sp>
@@ -11213,7 +11213,7 @@
         </p:nvSpPr>
         <p:spPr>
           <a:xfrm>
-            <a:off x="3224380" y="1849005"/>
+            <a:off x="3224405" y="952505"/>
             <a:ext cx="11839200" cy="3152700"/>
           </a:xfrm>
           <a:prstGeom prst="rect">
@@ -11380,7 +11380,7 @@
         <p:spPr>
           <a:xfrm>
             <a:off x="2681299" y="5105400"/>
-            <a:ext cx="11114641" cy="3106249"/>
+            <a:ext cx="11114700" cy="3656100"/>
           </a:xfrm>
           <a:prstGeom prst="rect">
             <a:avLst/>
@@ -11396,7 +11396,7 @@
           </a:bodyPr>
           <a:lstStyle/>
           <a:p>
-            <a:pPr indent="0" lvl="0" marL="0" marR="0" rtl="0" algn="just">
+            <a:pPr indent="-368236" lvl="0" marL="457200" marR="0" rtl="0" algn="just">
               <a:lnSpc>
                 <a:spcPct val="140018"/>
               </a:lnSpc>
@@ -11406,7 +11406,11 @@
               <a:spcAft>
                 <a:spcPts val="0"/>
               </a:spcAft>
-              <a:buNone/>
+              <a:buClr>
+                <a:srgbClr val="000000"/>
+              </a:buClr>
+              <a:buSzPts val="2199"/>
+              <a:buChar char="●"/>
             </a:pPr>
             <a:r>
               <a:rPr b="1" i="0" lang="en-US" sz="2199" u="none" cap="none" strike="noStrike">
@@ -11418,7 +11422,7 @@
                 <a:cs typeface="Open Sans"/>
                 <a:sym typeface="Open Sans"/>
               </a:rPr>
-              <a:t>•Detecta el sentimiento del mensaje  </a:t>
+              <a:t>Detecta el sentimiento del mensaje  </a:t>
             </a:r>
             <a:r>
               <a:rPr b="0" i="0" lang="en-US" sz="2199" u="none" cap="none" strike="noStrike">
@@ -11461,7 +11465,7 @@
             </a:endParaRPr>
           </a:p>
           <a:p>
-            <a:pPr indent="0" lvl="0" marL="0" marR="0" rtl="0" algn="just">
+            <a:pPr indent="-368236" lvl="0" marL="457200" marR="0" rtl="0" algn="just">
               <a:lnSpc>
                 <a:spcPct val="140018"/>
               </a:lnSpc>
@@ -11471,7 +11475,11 @@
               <a:spcAft>
                 <a:spcPts val="0"/>
               </a:spcAft>
-              <a:buNone/>
+              <a:buClr>
+                <a:srgbClr val="000000"/>
+              </a:buClr>
+              <a:buSzPts val="2199"/>
+              <a:buChar char="●"/>
             </a:pPr>
             <a:r>
               <a:rPr b="1" i="0" lang="en-US" sz="2199" u="none" cap="none" strike="noStrike">
@@ -11483,7 +11491,7 @@
                 <a:cs typeface="Open Sans"/>
                 <a:sym typeface="Open Sans"/>
               </a:rPr>
-              <a:t>•Clasifica el tipo de reclamo </a:t>
+              <a:t>Clasifica el tipo de reclamo </a:t>
             </a:r>
             <a:r>
               <a:rPr b="0" i="0" lang="en-US" sz="2199" u="none" cap="none" strike="noStrike">
@@ -11526,7 +11534,7 @@
             </a:endParaRPr>
           </a:p>
           <a:p>
-            <a:pPr indent="0" lvl="0" marL="0" marR="0" rtl="0" algn="just">
+            <a:pPr indent="-368236" lvl="0" marL="457200" marR="0" rtl="0" algn="just">
               <a:lnSpc>
                 <a:spcPct val="140018"/>
               </a:lnSpc>
@@ -11536,19 +11544,20 @@
               <a:spcAft>
                 <a:spcPts val="0"/>
               </a:spcAft>
-              <a:buNone/>
+              <a:buClr>
+                <a:srgbClr val="000000"/>
+              </a:buClr>
+              <a:buSzPts val="2199"/>
+              <a:buChar char="●"/>
             </a:pPr>
             <a:r>
-              <a:rPr b="1" i="0" lang="en-US" sz="2199" u="none" cap="none" strike="noStrike">
-                <a:solidFill>
-                  <a:srgbClr val="000000"/>
-                </a:solidFill>
+              <a:rPr b="1" lang="en-US" sz="2199">
                 <a:latin typeface="Open Sans"/>
                 <a:ea typeface="Open Sans"/>
                 <a:cs typeface="Open Sans"/>
                 <a:sym typeface="Open Sans"/>
               </a:rPr>
-              <a:t>• Extrae datos clace </a:t>
+              <a:t>Reconoce entidades nombradas </a:t>
             </a:r>
             <a:r>
               <a:rPr b="0" i="0" lang="en-US" sz="2199" u="none" cap="none" strike="noStrike">
@@ -11560,7 +11569,28 @@
                 <a:cs typeface="Open Sans"/>
                 <a:sym typeface="Open Sans"/>
               </a:rPr>
-              <a:t>(Producto, Pedido, Nombre)</a:t>
+              <a:t>(</a:t>
+            </a:r>
+            <a:r>
+              <a:rPr lang="en-US" sz="2199">
+                <a:latin typeface="Open Sans"/>
+                <a:ea typeface="Open Sans"/>
+                <a:cs typeface="Open Sans"/>
+                <a:sym typeface="Open Sans"/>
+              </a:rPr>
+              <a:t>ORG, PER, LOC, MISC,</a:t>
+            </a:r>
+            <a:r>
+              <a:rPr b="0" i="0" lang="en-US" sz="2199" u="none" cap="none" strike="noStrike">
+                <a:solidFill>
+                  <a:srgbClr val="000000"/>
+                </a:solidFill>
+                <a:latin typeface="Open Sans"/>
+                <a:ea typeface="Open Sans"/>
+                <a:cs typeface="Open Sans"/>
+                <a:sym typeface="Open Sans"/>
+              </a:rPr>
+              <a:t>)</a:t>
             </a:r>
             <a:endParaRPr/>
           </a:p>
@@ -11591,7 +11621,7 @@
             </a:endParaRPr>
           </a:p>
           <a:p>
-            <a:pPr indent="0" lvl="0" marL="0" marR="0" rtl="0" algn="just">
+            <a:pPr indent="-368236" lvl="0" marL="457200" marR="0" rtl="0" algn="just">
               <a:lnSpc>
                 <a:spcPct val="140018"/>
               </a:lnSpc>
@@ -11601,7 +11631,12 @@
               <a:spcAft>
                 <a:spcPts val="0"/>
               </a:spcAft>
-              <a:buNone/>
+              <a:buClr>
+                <a:srgbClr val="000000"/>
+              </a:buClr>
+              <a:buSzPts val="2199"/>
+              <a:buFont typeface="Open Sans"/>
+              <a:buChar char="●"/>
             </a:pPr>
             <a:r>
               <a:rPr b="1" i="0" lang="en-US" sz="2199" u="none" cap="none" strike="noStrike">
@@ -11613,7 +11648,7 @@
                 <a:cs typeface="Open Sans"/>
                 <a:sym typeface="Open Sans"/>
               </a:rPr>
-              <a:t>• Genera una respuesta automática </a:t>
+              <a:t>Genera una respuesta automática </a:t>
             </a:r>
             <a:endParaRPr/>
           </a:p>
@@ -11677,53 +11712,33 @@
           <a:chExt cx="0" cy="0"/>
         </a:xfrm>
       </p:grpSpPr>
-      <p:sp>
-        <p:nvSpPr>
-          <p:cNvPr id="101" name="Google Shape;101;p3"/>
-          <p:cNvSpPr/>
+      <p:pic>
+        <p:nvPicPr>
+          <p:cNvPr id="101" name="Google Shape;101;p3" title="diapo3"/>
+          <p:cNvPicPr preferRelativeResize="0"/>
           <p:nvPr/>
-        </p:nvSpPr>
+        </p:nvPicPr>
+        <p:blipFill rotWithShape="1">
+          <a:blip r:embed="rId3">
+            <a:alphaModFix/>
+          </a:blip>
+          <a:srcRect b="8571" l="0" r="0" t="4411"/>
+          <a:stretch/>
+        </p:blipFill>
         <p:spPr>
           <a:xfrm>
-            <a:off x="110850" y="0"/>
-            <a:ext cx="18061807" cy="10287000"/>
+            <a:off x="0" y="0"/>
+            <a:ext cx="18288000" cy="10287001"/>
           </a:xfrm>
-          <a:custGeom>
-            <a:rect b="b" l="l" r="r" t="t"/>
-            <a:pathLst>
-              <a:path extrusionOk="0" h="10287000" w="13947341">
-                <a:moveTo>
-                  <a:pt x="0" y="0"/>
-                </a:moveTo>
-                <a:lnTo>
-                  <a:pt x="13947340" y="0"/>
-                </a:lnTo>
-                <a:lnTo>
-                  <a:pt x="13947340" y="10287000"/>
-                </a:lnTo>
-                <a:lnTo>
-                  <a:pt x="0" y="10287000"/>
-                </a:lnTo>
-                <a:lnTo>
-                  <a:pt x="0" y="0"/>
-                </a:lnTo>
-                <a:close/>
-              </a:path>
-            </a:pathLst>
-          </a:custGeom>
-          <a:blipFill rotWithShape="1">
-            <a:blip r:embed="rId3">
-              <a:alphaModFix/>
-            </a:blip>
-            <a:stretch>
-              <a:fillRect b="0" l="-124" r="-129" t="-1948"/>
-            </a:stretch>
-          </a:blipFill>
+          <a:prstGeom prst="rect">
+            <a:avLst/>
+          </a:prstGeom>
+          <a:noFill/>
           <a:ln>
             <a:noFill/>
           </a:ln>
         </p:spPr>
-      </p:sp>
+      </p:pic>
     </p:spTree>
   </p:cSld>
   <p:clrMapOvr>
@@ -12227,29 +12242,7 @@
               <a:buNone/>
             </a:pPr>
             <a:r>
-              <a:rPr lang="en-US" sz="3200" u="sng">
-                <a:solidFill>
-                  <a:schemeClr val="hlink"/>
-                </a:solidFill>
-                <a:latin typeface="Calibri"/>
-                <a:ea typeface="Calibri"/>
-                <a:cs typeface="Calibri"/>
-                <a:sym typeface="Calibri"/>
-                <a:hlinkClick r:id="rId5"/>
-              </a:rPr>
-              <a:t>https://cf1d7d994a6118f259.gradio.live/</a:t>
-            </a:r>
-            <a:r>
-              <a:rPr lang="en-US" sz="3200">
-                <a:solidFill>
-                  <a:schemeClr val="dk1"/>
-                </a:solidFill>
-                <a:latin typeface="Calibri"/>
-                <a:ea typeface="Calibri"/>
-                <a:cs typeface="Calibri"/>
-                <a:sym typeface="Calibri"/>
-              </a:rPr>
-              <a:t> </a:t>
+              <a:t/>
             </a:r>
             <a:endParaRPr sz="3200">
               <a:solidFill>
@@ -12272,6 +12265,285 @@
 </file>
 
 <file path=ppt/theme/theme1.xml><?xml version="1.0" encoding="utf-8"?>
+<a:theme xmlns:a="http://schemas.openxmlformats.org/drawingml/2006/main" xmlns:r="http://schemas.openxmlformats.org/officeDocument/2006/relationships" name="Office Theme">
+  <a:themeElements>
+    <a:clrScheme name="Office">
+      <a:dk1>
+        <a:srgbClr val="000000"/>
+      </a:dk1>
+      <a:lt1>
+        <a:srgbClr val="FFFFFF"/>
+      </a:lt1>
+      <a:dk2>
+        <a:srgbClr val="1F497D"/>
+      </a:dk2>
+      <a:lt2>
+        <a:srgbClr val="EEECE1"/>
+      </a:lt2>
+      <a:accent1>
+        <a:srgbClr val="4F81BD"/>
+      </a:accent1>
+      <a:accent2>
+        <a:srgbClr val="C0504D"/>
+      </a:accent2>
+      <a:accent3>
+        <a:srgbClr val="9BBB59"/>
+      </a:accent3>
+      <a:accent4>
+        <a:srgbClr val="8064A2"/>
+      </a:accent4>
+      <a:accent5>
+        <a:srgbClr val="4BACC6"/>
+      </a:accent5>
+      <a:accent6>
+        <a:srgbClr val="F79646"/>
+      </a:accent6>
+      <a:hlink>
+        <a:srgbClr val="0000FF"/>
+      </a:hlink>
+      <a:folHlink>
+        <a:srgbClr val="800080"/>
+      </a:folHlink>
+    </a:clrScheme>
+    <a:fontScheme name="Office">
+      <a:majorFont>
+        <a:latin typeface="Arial"/>
+        <a:ea typeface=""/>
+        <a:cs typeface=""/>
+        <a:font script="Jpan" typeface="ＭＳ Ｐゴシック"/>
+        <a:font script="Hang" typeface="맑은 고딕"/>
+        <a:font script="Hans" typeface="宋体"/>
+        <a:font script="Hant" typeface="新細明體"/>
+        <a:font script="Arab" typeface="Times New Roman"/>
+        <a:font script="Hebr" typeface="Times New Roman"/>
+        <a:font script="Thai" typeface="Angsana New"/>
+        <a:font script="Ethi" typeface="Nyala"/>
+        <a:font script="Beng" typeface="Vrinda"/>
+        <a:font script="Gujr" typeface="Shruti"/>
+        <a:font script="Khmr" typeface="MoolBoran"/>
+        <a:font script="Knda" typeface="Tunga"/>
+        <a:font script="Guru" typeface="Raavi"/>
+        <a:font script="Cans" typeface="Euphemia"/>
+        <a:font script="Cher" typeface="Plantagenet Cherokee"/>
+        <a:font script="Yiii" typeface="Microsoft Yi Baiti"/>
+        <a:font script="Tibt" typeface="Microsoft Himalaya"/>
+        <a:font script="Thaa" typeface="MV Boli"/>
+        <a:font script="Deva" typeface="Mangal"/>
+        <a:font script="Telu" typeface="Gautami"/>
+        <a:font script="Taml" typeface="Latha"/>
+        <a:font script="Syrc" typeface="Estrangelo Edessa"/>
+        <a:font script="Orya" typeface="Kalinga"/>
+        <a:font script="Mlym" typeface="Kartika"/>
+        <a:font script="Laoo" typeface="DokChampa"/>
+        <a:font script="Sinh" typeface="Iskoola Pota"/>
+        <a:font script="Mong" typeface="Mongolian Baiti"/>
+        <a:font script="Viet" typeface="Times New Roman"/>
+        <a:font script="Uigh" typeface="Microsoft Uighur"/>
+        <a:font script="Geor" typeface="Sylfaen"/>
+      </a:majorFont>
+      <a:minorFont>
+        <a:latin typeface="Arial"/>
+        <a:ea typeface=""/>
+        <a:cs typeface=""/>
+        <a:font script="Jpan" typeface="ＭＳ Ｐゴシック"/>
+        <a:font script="Hang" typeface="맑은 고딕"/>
+        <a:font script="Hans" typeface="宋体"/>
+        <a:font script="Hant" typeface="新細明體"/>
+        <a:font script="Arab" typeface="Arial"/>
+        <a:font script="Hebr" typeface="Arial"/>
+        <a:font script="Thai" typeface="Cordia New"/>
+        <a:font script="Ethi" typeface="Nyala"/>
+        <a:font script="Beng" typeface="Vrinda"/>
+        <a:font script="Gujr" typeface="Shruti"/>
+        <a:font script="Khmr" typeface="DaunPenh"/>
+        <a:font script="Knda" typeface="Tunga"/>
+        <a:font script="Guru" typeface="Raavi"/>
+        <a:font script="Cans" typeface="Euphemia"/>
+        <a:font script="Cher" typeface="Plantagenet Cherokee"/>
+        <a:font script="Yiii" typeface="Microsoft Yi Baiti"/>
+        <a:font script="Tibt" typeface="Microsoft Himalaya"/>
+        <a:font script="Thaa" typeface="MV Boli"/>
+        <a:font script="Deva" typeface="Mangal"/>
+        <a:font script="Telu" typeface="Gautami"/>
+        <a:font script="Taml" typeface="Latha"/>
+        <a:font script="Syrc" typeface="Estrangelo Edessa"/>
+        <a:font script="Orya" typeface="Kalinga"/>
+        <a:font script="Mlym" typeface="Kartika"/>
+        <a:font script="Laoo" typeface="DokChampa"/>
+        <a:font script="Sinh" typeface="Iskoola Pota"/>
+        <a:font script="Mong" typeface="Mongolian Baiti"/>
+        <a:font script="Viet" typeface="Arial"/>
+        <a:font script="Uigh" typeface="Microsoft Uighur"/>
+        <a:font script="Geor" typeface="Sylfaen"/>
+      </a:minorFont>
+    </a:fontScheme>
+    <a:fmtScheme name="Office">
+      <a:fillStyleLst>
+        <a:solidFill>
+          <a:schemeClr val="phClr"/>
+        </a:solidFill>
+        <a:gradFill rotWithShape="1">
+          <a:gsLst>
+            <a:gs pos="0">
+              <a:schemeClr val="phClr">
+                <a:tint val="50000"/>
+                <a:satMod val="300000"/>
+              </a:schemeClr>
+            </a:gs>
+            <a:gs pos="35000">
+              <a:schemeClr val="phClr">
+                <a:tint val="37000"/>
+                <a:satMod val="300000"/>
+              </a:schemeClr>
+            </a:gs>
+            <a:gs pos="100000">
+              <a:schemeClr val="phClr">
+                <a:tint val="15000"/>
+                <a:satMod val="350000"/>
+              </a:schemeClr>
+            </a:gs>
+          </a:gsLst>
+          <a:lin ang="16200000" scaled="1"/>
+        </a:gradFill>
+        <a:gradFill rotWithShape="1">
+          <a:gsLst>
+            <a:gs pos="0">
+              <a:schemeClr val="phClr">
+                <a:tint val="100000"/>
+                <a:shade val="100000"/>
+                <a:satMod val="130000"/>
+              </a:schemeClr>
+            </a:gs>
+            <a:gs pos="100000">
+              <a:schemeClr val="phClr">
+                <a:tint val="50000"/>
+                <a:shade val="100000"/>
+                <a:satMod val="350000"/>
+              </a:schemeClr>
+            </a:gs>
+          </a:gsLst>
+          <a:lin ang="16200000" scaled="0"/>
+        </a:gradFill>
+      </a:fillStyleLst>
+      <a:lnStyleLst>
+        <a:ln w="9525" cap="flat" cmpd="sng" algn="ctr">
+          <a:solidFill>
+            <a:schemeClr val="phClr">
+              <a:shade val="95000"/>
+              <a:satMod val="105000"/>
+            </a:schemeClr>
+          </a:solidFill>
+          <a:prstDash val="solid"/>
+        </a:ln>
+        <a:ln w="25400" cap="flat" cmpd="sng" algn="ctr">
+          <a:solidFill>
+            <a:schemeClr val="phClr"/>
+          </a:solidFill>
+          <a:prstDash val="solid"/>
+        </a:ln>
+        <a:ln w="38100" cap="flat" cmpd="sng" algn="ctr">
+          <a:solidFill>
+            <a:schemeClr val="phClr"/>
+          </a:solidFill>
+          <a:prstDash val="solid"/>
+        </a:ln>
+      </a:lnStyleLst>
+      <a:effectStyleLst>
+        <a:effectStyle>
+          <a:effectLst>
+            <a:outerShdw blurRad="40000" dist="20000" dir="5400000" rotWithShape="0">
+              <a:srgbClr val="000000">
+                <a:alpha val="38000"/>
+              </a:srgbClr>
+            </a:outerShdw>
+          </a:effectLst>
+        </a:effectStyle>
+        <a:effectStyle>
+          <a:effectLst>
+            <a:outerShdw blurRad="40000" dist="23000" dir="5400000" rotWithShape="0">
+              <a:srgbClr val="000000">
+                <a:alpha val="35000"/>
+              </a:srgbClr>
+            </a:outerShdw>
+          </a:effectLst>
+        </a:effectStyle>
+        <a:effectStyle>
+          <a:effectLst>
+            <a:outerShdw blurRad="40000" dist="23000" dir="5400000" rotWithShape="0">
+              <a:srgbClr val="000000">
+                <a:alpha val="35000"/>
+              </a:srgbClr>
+            </a:outerShdw>
+          </a:effectLst>
+          <a:scene3d>
+            <a:camera prst="orthographicFront">
+              <a:rot lat="0" lon="0" rev="0"/>
+            </a:camera>
+            <a:lightRig rig="threePt" dir="t">
+              <a:rot lat="0" lon="0" rev="1200000"/>
+            </a:lightRig>
+          </a:scene3d>
+          <a:sp3d>
+            <a:bevelT w="63500" h="25400"/>
+          </a:sp3d>
+        </a:effectStyle>
+      </a:effectStyleLst>
+      <a:bgFillStyleLst>
+        <a:solidFill>
+          <a:schemeClr val="phClr"/>
+        </a:solidFill>
+        <a:gradFill rotWithShape="1">
+          <a:gsLst>
+            <a:gs pos="0">
+              <a:schemeClr val="phClr">
+                <a:tint val="40000"/>
+                <a:satMod val="350000"/>
+              </a:schemeClr>
+            </a:gs>
+            <a:gs pos="40000">
+              <a:schemeClr val="phClr">
+                <a:tint val="45000"/>
+                <a:shade val="99000"/>
+                <a:satMod val="350000"/>
+              </a:schemeClr>
+            </a:gs>
+            <a:gs pos="100000">
+              <a:schemeClr val="phClr">
+                <a:shade val="20000"/>
+                <a:satMod val="255000"/>
+              </a:schemeClr>
+            </a:gs>
+          </a:gsLst>
+          <a:path path="circle">
+            <a:fillToRect l="50000" t="-80000" r="50000" b="180000"/>
+          </a:path>
+        </a:gradFill>
+        <a:gradFill rotWithShape="1">
+          <a:gsLst>
+            <a:gs pos="0">
+              <a:schemeClr val="phClr">
+                <a:tint val="80000"/>
+                <a:satMod val="300000"/>
+              </a:schemeClr>
+            </a:gs>
+            <a:gs pos="100000">
+              <a:schemeClr val="phClr">
+                <a:shade val="30000"/>
+                <a:satMod val="200000"/>
+              </a:schemeClr>
+            </a:gs>
+          </a:gsLst>
+          <a:path path="circle">
+            <a:fillToRect l="50000" t="50000" r="50000" b="50000"/>
+          </a:path>
+        </a:gradFill>
+      </a:bgFillStyleLst>
+    </a:fmtScheme>
+  </a:themeElements>
+</a:theme>
+</file>
+
+<file path=ppt/theme/theme2.xml><?xml version="1.0" encoding="utf-8"?>
 <a:theme xmlns:a="http://schemas.openxmlformats.org/drawingml/2006/main" xmlns:r="http://schemas.openxmlformats.org/officeDocument/2006/relationships">
   <a:themeElements>
     <a:clrScheme name="Default">
@@ -12548,283 +12820,4 @@
     </a:fmtScheme>
   </a:themeElements>
 </a:theme>
-</file>
-
-<file path=ppt/theme/theme2.xml><?xml version="1.0" encoding="utf-8"?>
-<a:theme xmlns:a="http://schemas.openxmlformats.org/drawingml/2006/main" xmlns:r="http://schemas.openxmlformats.org/officeDocument/2006/relationships" name="Office Theme">
-  <a:themeElements>
-    <a:clrScheme name="Office">
-      <a:dk1>
-        <a:srgbClr val="000000"/>
-      </a:dk1>
-      <a:lt1>
-        <a:srgbClr val="FFFFFF"/>
-      </a:lt1>
-      <a:dk2>
-        <a:srgbClr val="1F497D"/>
-      </a:dk2>
-      <a:lt2>
-        <a:srgbClr val="EEECE1"/>
-      </a:lt2>
-      <a:accent1>
-        <a:srgbClr val="4F81BD"/>
-      </a:accent1>
-      <a:accent2>
-        <a:srgbClr val="C0504D"/>
-      </a:accent2>
-      <a:accent3>
-        <a:srgbClr val="9BBB59"/>
-      </a:accent3>
-      <a:accent4>
-        <a:srgbClr val="8064A2"/>
-      </a:accent4>
-      <a:accent5>
-        <a:srgbClr val="4BACC6"/>
-      </a:accent5>
-      <a:accent6>
-        <a:srgbClr val="F79646"/>
-      </a:accent6>
-      <a:hlink>
-        <a:srgbClr val="0000FF"/>
-      </a:hlink>
-      <a:folHlink>
-        <a:srgbClr val="800080"/>
-      </a:folHlink>
-    </a:clrScheme>
-    <a:fontScheme name="Office">
-      <a:majorFont>
-        <a:latin typeface="Arial"/>
-        <a:ea typeface=""/>
-        <a:cs typeface=""/>
-        <a:font script="Jpan" typeface="ＭＳ Ｐゴシック"/>
-        <a:font script="Hang" typeface="맑은 고딕"/>
-        <a:font script="Hans" typeface="宋体"/>
-        <a:font script="Hant" typeface="新細明體"/>
-        <a:font script="Arab" typeface="Times New Roman"/>
-        <a:font script="Hebr" typeface="Times New Roman"/>
-        <a:font script="Thai" typeface="Angsana New"/>
-        <a:font script="Ethi" typeface="Nyala"/>
-        <a:font script="Beng" typeface="Vrinda"/>
-        <a:font script="Gujr" typeface="Shruti"/>
-        <a:font script="Khmr" typeface="MoolBoran"/>
-        <a:font script="Knda" typeface="Tunga"/>
-        <a:font script="Guru" typeface="Raavi"/>
-        <a:font script="Cans" typeface="Euphemia"/>
-        <a:font script="Cher" typeface="Plantagenet Cherokee"/>
-        <a:font script="Yiii" typeface="Microsoft Yi Baiti"/>
-        <a:font script="Tibt" typeface="Microsoft Himalaya"/>
-        <a:font script="Thaa" typeface="MV Boli"/>
-        <a:font script="Deva" typeface="Mangal"/>
-        <a:font script="Telu" typeface="Gautami"/>
-        <a:font script="Taml" typeface="Latha"/>
-        <a:font script="Syrc" typeface="Estrangelo Edessa"/>
-        <a:font script="Orya" typeface="Kalinga"/>
-        <a:font script="Mlym" typeface="Kartika"/>
-        <a:font script="Laoo" typeface="DokChampa"/>
-        <a:font script="Sinh" typeface="Iskoola Pota"/>
-        <a:font script="Mong" typeface="Mongolian Baiti"/>
-        <a:font script="Viet" typeface="Times New Roman"/>
-        <a:font script="Uigh" typeface="Microsoft Uighur"/>
-        <a:font script="Geor" typeface="Sylfaen"/>
-      </a:majorFont>
-      <a:minorFont>
-        <a:latin typeface="Arial"/>
-        <a:ea typeface=""/>
-        <a:cs typeface=""/>
-        <a:font script="Jpan" typeface="ＭＳ Ｐゴシック"/>
-        <a:font script="Hang" typeface="맑은 고딕"/>
-        <a:font script="Hans" typeface="宋体"/>
-        <a:font script="Hant" typeface="新細明體"/>
-        <a:font script="Arab" typeface="Arial"/>
-        <a:font script="Hebr" typeface="Arial"/>
-        <a:font script="Thai" typeface="Cordia New"/>
-        <a:font script="Ethi" typeface="Nyala"/>
-        <a:font script="Beng" typeface="Vrinda"/>
-        <a:font script="Gujr" typeface="Shruti"/>
-        <a:font script="Khmr" typeface="DaunPenh"/>
-        <a:font script="Knda" typeface="Tunga"/>
-        <a:font script="Guru" typeface="Raavi"/>
-        <a:font script="Cans" typeface="Euphemia"/>
-        <a:font script="Cher" typeface="Plantagenet Cherokee"/>
-        <a:font script="Yiii" typeface="Microsoft Yi Baiti"/>
-        <a:font script="Tibt" typeface="Microsoft Himalaya"/>
-        <a:font script="Thaa" typeface="MV Boli"/>
-        <a:font script="Deva" typeface="Mangal"/>
-        <a:font script="Telu" typeface="Gautami"/>
-        <a:font script="Taml" typeface="Latha"/>
-        <a:font script="Syrc" typeface="Estrangelo Edessa"/>
-        <a:font script="Orya" typeface="Kalinga"/>
-        <a:font script="Mlym" typeface="Kartika"/>
-        <a:font script="Laoo" typeface="DokChampa"/>
-        <a:font script="Sinh" typeface="Iskoola Pota"/>
-        <a:font script="Mong" typeface="Mongolian Baiti"/>
-        <a:font script="Viet" typeface="Arial"/>
-        <a:font script="Uigh" typeface="Microsoft Uighur"/>
-        <a:font script="Geor" typeface="Sylfaen"/>
-      </a:minorFont>
-    </a:fontScheme>
-    <a:fmtScheme name="Office">
-      <a:fillStyleLst>
-        <a:solidFill>
-          <a:schemeClr val="phClr"/>
-        </a:solidFill>
-        <a:gradFill rotWithShape="1">
-          <a:gsLst>
-            <a:gs pos="0">
-              <a:schemeClr val="phClr">
-                <a:tint val="50000"/>
-                <a:satMod val="300000"/>
-              </a:schemeClr>
-            </a:gs>
-            <a:gs pos="35000">
-              <a:schemeClr val="phClr">
-                <a:tint val="37000"/>
-                <a:satMod val="300000"/>
-              </a:schemeClr>
-            </a:gs>
-            <a:gs pos="100000">
-              <a:schemeClr val="phClr">
-                <a:tint val="15000"/>
-                <a:satMod val="350000"/>
-              </a:schemeClr>
-            </a:gs>
-          </a:gsLst>
-          <a:lin ang="16200000" scaled="1"/>
-        </a:gradFill>
-        <a:gradFill rotWithShape="1">
-          <a:gsLst>
-            <a:gs pos="0">
-              <a:schemeClr val="phClr">
-                <a:tint val="100000"/>
-                <a:shade val="100000"/>
-                <a:satMod val="130000"/>
-              </a:schemeClr>
-            </a:gs>
-            <a:gs pos="100000">
-              <a:schemeClr val="phClr">
-                <a:tint val="50000"/>
-                <a:shade val="100000"/>
-                <a:satMod val="350000"/>
-              </a:schemeClr>
-            </a:gs>
-          </a:gsLst>
-          <a:lin ang="16200000" scaled="0"/>
-        </a:gradFill>
-      </a:fillStyleLst>
-      <a:lnStyleLst>
-        <a:ln w="9525" cap="flat" cmpd="sng" algn="ctr">
-          <a:solidFill>
-            <a:schemeClr val="phClr">
-              <a:shade val="95000"/>
-              <a:satMod val="105000"/>
-            </a:schemeClr>
-          </a:solidFill>
-          <a:prstDash val="solid"/>
-        </a:ln>
-        <a:ln w="25400" cap="flat" cmpd="sng" algn="ctr">
-          <a:solidFill>
-            <a:schemeClr val="phClr"/>
-          </a:solidFill>
-          <a:prstDash val="solid"/>
-        </a:ln>
-        <a:ln w="38100" cap="flat" cmpd="sng" algn="ctr">
-          <a:solidFill>
-            <a:schemeClr val="phClr"/>
-          </a:solidFill>
-          <a:prstDash val="solid"/>
-        </a:ln>
-      </a:lnStyleLst>
-      <a:effectStyleLst>
-        <a:effectStyle>
-          <a:effectLst>
-            <a:outerShdw blurRad="40000" dist="20000" dir="5400000" rotWithShape="0">
-              <a:srgbClr val="000000">
-                <a:alpha val="38000"/>
-              </a:srgbClr>
-            </a:outerShdw>
-          </a:effectLst>
-        </a:effectStyle>
-        <a:effectStyle>
-          <a:effectLst>
-            <a:outerShdw blurRad="40000" dist="23000" dir="5400000" rotWithShape="0">
-              <a:srgbClr val="000000">
-                <a:alpha val="35000"/>
-              </a:srgbClr>
-            </a:outerShdw>
-          </a:effectLst>
-        </a:effectStyle>
-        <a:effectStyle>
-          <a:effectLst>
-            <a:outerShdw blurRad="40000" dist="23000" dir="5400000" rotWithShape="0">
-              <a:srgbClr val="000000">
-                <a:alpha val="35000"/>
-              </a:srgbClr>
-            </a:outerShdw>
-          </a:effectLst>
-          <a:scene3d>
-            <a:camera prst="orthographicFront">
-              <a:rot lat="0" lon="0" rev="0"/>
-            </a:camera>
-            <a:lightRig rig="threePt" dir="t">
-              <a:rot lat="0" lon="0" rev="1200000"/>
-            </a:lightRig>
-          </a:scene3d>
-          <a:sp3d>
-            <a:bevelT w="63500" h="25400"/>
-          </a:sp3d>
-        </a:effectStyle>
-      </a:effectStyleLst>
-      <a:bgFillStyleLst>
-        <a:solidFill>
-          <a:schemeClr val="phClr"/>
-        </a:solidFill>
-        <a:gradFill rotWithShape="1">
-          <a:gsLst>
-            <a:gs pos="0">
-              <a:schemeClr val="phClr">
-                <a:tint val="40000"/>
-                <a:satMod val="350000"/>
-              </a:schemeClr>
-            </a:gs>
-            <a:gs pos="40000">
-              <a:schemeClr val="phClr">
-                <a:tint val="45000"/>
-                <a:shade val="99000"/>
-                <a:satMod val="350000"/>
-              </a:schemeClr>
-            </a:gs>
-            <a:gs pos="100000">
-              <a:schemeClr val="phClr">
-                <a:shade val="20000"/>
-                <a:satMod val="255000"/>
-              </a:schemeClr>
-            </a:gs>
-          </a:gsLst>
-          <a:path path="circle">
-            <a:fillToRect l="50000" t="-80000" r="50000" b="180000"/>
-          </a:path>
-        </a:gradFill>
-        <a:gradFill rotWithShape="1">
-          <a:gsLst>
-            <a:gs pos="0">
-              <a:schemeClr val="phClr">
-                <a:tint val="80000"/>
-                <a:satMod val="300000"/>
-              </a:schemeClr>
-            </a:gs>
-            <a:gs pos="100000">
-              <a:schemeClr val="phClr">
-                <a:shade val="30000"/>
-                <a:satMod val="200000"/>
-              </a:schemeClr>
-            </a:gs>
-          </a:gsLst>
-          <a:path path="circle">
-            <a:fillToRect l="50000" t="50000" r="50000" b="50000"/>
-          </a:path>
-        </a:gradFill>
-      </a:bgFillStyleLst>
-    </a:fmtScheme>
-  </a:themeElements>
-</a:theme>
 </file>